--- a/HW1/프레젠테이션1.pptx
+++ b/HW1/프레젠테이션1.pptx
@@ -105,6 +105,11 @@
       </a:defRPr>
     </a:lvl9pPr>
   </p:defaultTextStyle>
+  <p:extLst>
+    <p:ext uri="{EFAFB233-063F-42B5-8137-9DF3F51BA10A}">
+      <p15:sldGuideLst xmlns:p15="http://schemas.microsoft.com/office/powerpoint/2012/main"/>
+    </p:ext>
+  </p:extLst>
 </p:presentation>
 </file>
 
@@ -5480,14 +5485,14 @@
           <p:cNvCxnSpPr>
             <a:cxnSpLocks/>
             <a:stCxn id="6" idx="0"/>
-            <a:endCxn id="4" idx="0"/>
+            <a:endCxn id="5" idx="0"/>
           </p:cNvCxnSpPr>
           <p:nvPr/>
         </p:nvCxnSpPr>
         <p:spPr>
           <a:xfrm rot="16200000" flipV="1">
-            <a:off x="4419600" y="2557425"/>
-            <a:ext cx="12700" cy="3429000"/>
+            <a:off x="5276850" y="3414675"/>
+            <a:ext cx="12700" cy="1714500"/>
           </a:xfrm>
           <a:prstGeom prst="curvedConnector3">
             <a:avLst>
@@ -5528,14 +5533,14 @@
           <p:cNvCxnSpPr>
             <a:cxnSpLocks/>
             <a:stCxn id="7" idx="2"/>
-            <a:endCxn id="5" idx="2"/>
+            <a:endCxn id="4" idx="2"/>
           </p:cNvCxnSpPr>
           <p:nvPr/>
         </p:nvCxnSpPr>
         <p:spPr>
           <a:xfrm rot="5400000">
-            <a:off x="6134100" y="3471825"/>
-            <a:ext cx="12700" cy="3429000"/>
+            <a:off x="5276850" y="2614575"/>
+            <a:ext cx="12700" cy="5143500"/>
           </a:xfrm>
           <a:prstGeom prst="curvedConnector3">
             <a:avLst>
@@ -5578,7 +5583,7 @@
         </p:nvSpPr>
         <p:spPr>
           <a:xfrm>
-            <a:off x="3635186" y="3746501"/>
+            <a:off x="4501961" y="3765474"/>
             <a:ext cx="1568827" cy="307777"/>
           </a:xfrm>
           <a:prstGeom prst="rect">
@@ -5622,7 +5627,7 @@
         </p:nvSpPr>
         <p:spPr>
           <a:xfrm>
-            <a:off x="5349686" y="5397698"/>
+            <a:off x="4501961" y="5397698"/>
             <a:ext cx="1568827" cy="307777"/>
           </a:xfrm>
           <a:prstGeom prst="rect">
